--- a/2. Practical Data Modeling for Production with Kotlin/oreilly_practical_data_modeling_for_production_with_kotlin.pptx
+++ b/2. Practical Data Modeling for Production with Kotlin/oreilly_practical_data_modeling_for_production_with_kotlin.pptx
@@ -5,15 +5,16 @@
     <p:sldMasterId id="2147483648" r:id="rId1"/>
   </p:sldMasterIdLst>
   <p:notesMasterIdLst>
-    <p:notesMasterId r:id="rId8"/>
+    <p:notesMasterId r:id="rId9"/>
   </p:notesMasterIdLst>
   <p:sldIdLst>
     <p:sldId id="256" r:id="rId2"/>
     <p:sldId id="275" r:id="rId3"/>
     <p:sldId id="279" r:id="rId4"/>
     <p:sldId id="257" r:id="rId5"/>
-    <p:sldId id="280" r:id="rId6"/>
-    <p:sldId id="281" r:id="rId7"/>
+    <p:sldId id="282" r:id="rId6"/>
+    <p:sldId id="280" r:id="rId7"/>
+    <p:sldId id="281" r:id="rId8"/>
   </p:sldIdLst>
   <p:sldSz cx="12192000" cy="6858000"/>
   <p:notesSz cx="6858000" cy="9144000"/>
@@ -534,7 +535,7 @@
           <a:p>
             <a:fld id="{875C1EAC-EC95-40C2-8C11-3A25F20A67F3}" type="slidenum">
               <a:rPr lang="en-US"/>
-              <a:t>3</a:t>
+              <a:t>4</a:t>
             </a:fld>
             <a:endParaRPr lang="en-US"/>
           </a:p>
@@ -4640,171 +4641,1205 @@
             <p:ph type="title"/>
           </p:nvPr>
         </p:nvSpPr>
-        <p:spPr/>
-        <p:txBody>
-          <a:bodyPr/>
-          <a:lstStyle/>
-          <a:p>
-            <a:r>
-              <a:rPr lang="en-US" dirty="0"/>
-              <a:t>Going Forward</a:t>
-            </a:r>
-          </a:p>
-        </p:txBody>
-      </p:sp>
-      <p:sp>
-        <p:nvSpPr>
-          <p:cNvPr id="3" name="Content Placeholder 2"/>
-          <p:cNvSpPr>
-            <a:spLocks noGrp="1"/>
-          </p:cNvSpPr>
-          <p:nvPr>
-            <p:ph idx="1"/>
-          </p:nvPr>
-        </p:nvSpPr>
-        <p:spPr/>
-        <p:txBody>
-          <a:bodyPr vert="horz" lIns="0" tIns="45720" rIns="0" bIns="45720" rtlCol="0" anchor="t">
-            <a:normAutofit/>
+        <p:spPr>
+          <a:xfrm>
+            <a:off x="1105000" y="1447800"/>
+            <a:ext cx="10058400" cy="103827"/>
+          </a:xfrm>
+        </p:spPr>
+        <p:txBody>
+          <a:bodyPr>
+            <a:normAutofit fontScale="90000"/>
           </a:bodyPr>
           <a:lstStyle/>
           <a:p>
             <a:r>
               <a:rPr lang="en-US" dirty="0"/>
-              <a:t>If you have gotten this far, congrats! You have a fundamental mastery of Kotlin for the purposes of data science. </a:t>
-            </a:r>
-          </a:p>
-          <a:p>
-            <a:r>
-              <a:rPr lang="en-US" dirty="0"/>
-              <a:t>A number of growing resources exist to further your knowledge of Kotlin. </a:t>
-            </a:r>
-          </a:p>
-          <a:p>
-            <a:pPr marL="383540" lvl="1"/>
-            <a:r>
-              <a:rPr lang="en-US" dirty="0"/>
-              <a:t>Kotlin Reference - </a:t>
-            </a:r>
-            <a:r>
-              <a:rPr lang="en-US" dirty="0">
-                <a:hlinkClick r:id="rId2"/>
-              </a:rPr>
-              <a:t>https://kotlinlang.org/docs/reference/</a:t>
-            </a:r>
-          </a:p>
-          <a:p>
-            <a:pPr marL="383540" lvl="1">
-              <a:buClr>
-                <a:srgbClr val="E48312"/>
-              </a:buClr>
-            </a:pPr>
-            <a:r>
-              <a:rPr lang="en-US" dirty="0"/>
-              <a:t>O'Reilly Video: Intro to Kotlin Programming - </a:t>
-            </a:r>
-            <a:r>
-              <a:rPr lang="en-US" dirty="0">
-                <a:hlinkClick r:id="rId3"/>
-              </a:rPr>
-              <a:t>https://goo.gl/TyAift</a:t>
-            </a:r>
-          </a:p>
-          <a:p>
-            <a:pPr marL="383540" lvl="1">
-              <a:buClr>
-                <a:srgbClr val="E48312"/>
-              </a:buClr>
-            </a:pPr>
-            <a:r>
-              <a:rPr lang="en-US" dirty="0"/>
-              <a:t>Manning Book: Kotlin in Action - </a:t>
-            </a:r>
-            <a:r>
-              <a:rPr lang="en-US" dirty="0">
-                <a:hlinkClick r:id="rId4"/>
-              </a:rPr>
-              <a:t>https://goo.gl/VWszcP</a:t>
-            </a:r>
-            <a:endParaRPr lang="en-US" dirty="0"/>
-          </a:p>
-          <a:p>
-            <a:r>
-              <a:rPr lang="en-US" dirty="0"/>
-              <a:t>To apply Kotlin to your specific data science and data engineering problems, be sure to plug into the Kotlin community whenever you need assistance.</a:t>
-            </a:r>
-          </a:p>
-          <a:p>
-            <a:pPr marL="383540" lvl="1">
-              <a:buClr>
-                <a:srgbClr val="E48312"/>
-              </a:buClr>
-            </a:pPr>
-            <a:r>
-              <a:rPr lang="en-US" dirty="0"/>
-              <a:t>Kotlin Slack - </a:t>
-            </a:r>
-            <a:r>
-              <a:rPr lang="en-US" dirty="0">
-                <a:hlinkClick r:id="rId5"/>
-              </a:rPr>
-              <a:t>http://slack.kotlinlang.org/</a:t>
-            </a:r>
-          </a:p>
-          <a:p>
-            <a:pPr marL="383540" lvl="1">
-              <a:buClr>
-                <a:srgbClr val="E48312"/>
-              </a:buClr>
-            </a:pPr>
-            <a:r>
-              <a:rPr lang="en-US" dirty="0"/>
-              <a:t>StackOverflow Kotlin - </a:t>
-            </a:r>
-            <a:r>
-              <a:rPr lang="en-US" dirty="0">
-                <a:hlinkClick r:id="rId6"/>
-              </a:rPr>
-              <a:t>https://stackoverflow.com/questions/tagged/kotlin</a:t>
-            </a:r>
-            <a:r>
-              <a:rPr lang="en-US" dirty="0"/>
-              <a:t> </a:t>
-            </a:r>
-          </a:p>
-          <a:p>
-            <a:pPr marL="383540" lvl="1">
-              <a:buClr>
-                <a:srgbClr val="E48312"/>
-              </a:buClr>
-            </a:pPr>
-            <a:endParaRPr lang="en-US" dirty="0"/>
-          </a:p>
-          <a:p>
-            <a:pPr marL="383540" lvl="1">
-              <a:buClr>
-                <a:srgbClr val="E48312"/>
-              </a:buClr>
-            </a:pPr>
-            <a:endParaRPr lang="en-US" dirty="0"/>
-          </a:p>
-          <a:p>
-            <a:pPr marL="383540" lvl="1">
-              <a:buClr>
-                <a:srgbClr val="E48312"/>
-              </a:buClr>
-            </a:pPr>
-            <a:endParaRPr lang="en-US" dirty="0"/>
-          </a:p>
-          <a:p>
-            <a:endParaRPr lang="en-US" dirty="0"/>
-          </a:p>
-        </p:txBody>
-      </p:sp>
+              <a:t>Operator Functions </a:t>
+            </a:r>
+          </a:p>
+        </p:txBody>
+      </p:sp>
+      <p:graphicFrame>
+        <p:nvGraphicFramePr>
+          <p:cNvPr id="5" name="Table 4"/>
+          <p:cNvGraphicFramePr>
+            <a:graphicFrameLocks noGrp="1"/>
+          </p:cNvGraphicFramePr>
+          <p:nvPr>
+            <p:extLst>
+              <p:ext uri="{D42A27DB-BD31-4B8C-83A1-F6EECF244321}">
+                <p14:modId xmlns:p14="http://schemas.microsoft.com/office/powerpoint/2010/main" val="1379155282"/>
+              </p:ext>
+            </p:extLst>
+          </p:nvPr>
+        </p:nvGraphicFramePr>
+        <p:xfrm>
+          <a:off x="1200259" y="1914525"/>
+          <a:ext cx="4482441" cy="4038707"/>
+        </p:xfrm>
+        <a:graphic>
+          <a:graphicData uri="http://schemas.openxmlformats.org/drawingml/2006/table">
+            <a:tbl>
+              <a:tblPr firstRow="1" bandRow="1">
+                <a:tableStyleId>{5C22544A-7EE6-4342-B048-85BDC9FD1C3A}</a:tableStyleId>
+              </a:tblPr>
+              <a:tblGrid>
+                <a:gridCol w="2577592">
+                  <a:extLst>
+                    <a:ext uri="{9D8B030D-6E8A-4147-A177-3AD203B41FA5}">
+                      <a16:colId xmlns:a16="http://schemas.microsoft.com/office/drawing/2014/main" val="3160820000"/>
+                    </a:ext>
+                  </a:extLst>
+                </a:gridCol>
+                <a:gridCol w="1904849">
+                  <a:extLst>
+                    <a:ext uri="{9D8B030D-6E8A-4147-A177-3AD203B41FA5}">
+                      <a16:colId xmlns:a16="http://schemas.microsoft.com/office/drawing/2014/main" val="3508083202"/>
+                    </a:ext>
+                  </a:extLst>
+                </a:gridCol>
+              </a:tblGrid>
+              <a:tr h="837818">
+                <a:tc>
+                  <a:txBody>
+                    <a:bodyPr/>
+                    <a:lstStyle/>
+                    <a:p>
+                      <a:pPr algn="l"/>
+                      <a:r>
+                        <a:rPr lang="en-US" sz="1400" dirty="0">
+                          <a:effectLst/>
+                        </a:rPr>
+                        <a:t>Symbol Signature</a:t>
+                      </a:r>
+                      <a:endParaRPr lang="en-US" sz="1400" dirty="0">
+                        <a:solidFill>
+                          <a:srgbClr val="FFFFFF"/>
+                        </a:solidFill>
+                        <a:effectLst/>
+                      </a:endParaRPr>
+                    </a:p>
+                  </a:txBody>
+                  <a:tcPr anchor="ctr"/>
+                </a:tc>
+                <a:tc>
+                  <a:txBody>
+                    <a:bodyPr/>
+                    <a:lstStyle/>
+                    <a:p>
+                      <a:pPr algn="l"/>
+                      <a:r>
+                        <a:rPr lang="en-US" sz="1400" dirty="0">
+                          <a:effectLst/>
+                        </a:rPr>
+                        <a:t>Operator Function</a:t>
+                      </a:r>
+                      <a:endParaRPr lang="en-US" sz="1400" dirty="0">
+                        <a:solidFill>
+                          <a:srgbClr val="FFFFFF"/>
+                        </a:solidFill>
+                        <a:effectLst/>
+                      </a:endParaRPr>
+                    </a:p>
+                  </a:txBody>
+                  <a:tcPr anchor="ctr"/>
+                </a:tc>
+                <a:extLst>
+                  <a:ext uri="{0D108BD9-81ED-4DB2-BD59-A6C34878D82A}">
+                    <a16:rowId xmlns:a16="http://schemas.microsoft.com/office/drawing/2014/main" val="1148977756"/>
+                  </a:ext>
+                </a:extLst>
+              </a:tr>
+              <a:tr h="365201">
+                <a:tc>
+                  <a:txBody>
+                    <a:bodyPr/>
+                    <a:lstStyle/>
+                    <a:p>
+                      <a:pPr>
+                        <a:buNone/>
+                      </a:pPr>
+                      <a:r>
+                        <a:rPr lang="en-US" sz="1400" dirty="0">
+                          <a:effectLst/>
+                        </a:rPr>
+                        <a:t>a + b</a:t>
+                      </a:r>
+                    </a:p>
+                  </a:txBody>
+                  <a:tcPr anchor="ctr"/>
+                </a:tc>
+                <a:tc>
+                  <a:txBody>
+                    <a:bodyPr/>
+                    <a:lstStyle/>
+                    <a:p>
+                      <a:pPr>
+                        <a:buNone/>
+                      </a:pPr>
+                      <a:r>
+                        <a:rPr lang="en-US" sz="1400" dirty="0">
+                          <a:effectLst/>
+                        </a:rPr>
+                        <a:t>a.plus(b)</a:t>
+                      </a:r>
+                    </a:p>
+                  </a:txBody>
+                  <a:tcPr anchor="ctr"/>
+                </a:tc>
+                <a:extLst>
+                  <a:ext uri="{0D108BD9-81ED-4DB2-BD59-A6C34878D82A}">
+                    <a16:rowId xmlns:a16="http://schemas.microsoft.com/office/drawing/2014/main" val="585492973"/>
+                  </a:ext>
+                </a:extLst>
+              </a:tr>
+              <a:tr h="354461">
+                <a:tc>
+                  <a:txBody>
+                    <a:bodyPr/>
+                    <a:lstStyle/>
+                    <a:p>
+                      <a:pPr>
+                        <a:buNone/>
+                      </a:pPr>
+                      <a:r>
+                        <a:rPr lang="en-US" sz="1400" dirty="0">
+                          <a:effectLst/>
+                        </a:rPr>
+                        <a:t>a - b</a:t>
+                      </a:r>
+                    </a:p>
+                  </a:txBody>
+                  <a:tcPr anchor="ctr"/>
+                </a:tc>
+                <a:tc>
+                  <a:txBody>
+                    <a:bodyPr/>
+                    <a:lstStyle/>
+                    <a:p>
+                      <a:pPr>
+                        <a:buNone/>
+                      </a:pPr>
+                      <a:r>
+                        <a:rPr lang="en-US" sz="1400" dirty="0">
+                          <a:effectLst/>
+                        </a:rPr>
+                        <a:t>a.minus(b)</a:t>
+                      </a:r>
+                    </a:p>
+                  </a:txBody>
+                  <a:tcPr anchor="ctr"/>
+                </a:tc>
+                <a:extLst>
+                  <a:ext uri="{0D108BD9-81ED-4DB2-BD59-A6C34878D82A}">
+                    <a16:rowId xmlns:a16="http://schemas.microsoft.com/office/drawing/2014/main" val="1024352711"/>
+                  </a:ext>
+                </a:extLst>
+              </a:tr>
+              <a:tr h="354461">
+                <a:tc>
+                  <a:txBody>
+                    <a:bodyPr/>
+                    <a:lstStyle/>
+                    <a:p>
+                      <a:pPr>
+                        <a:buNone/>
+                      </a:pPr>
+                      <a:r>
+                        <a:rPr lang="en-US" sz="1400" dirty="0">
+                          <a:effectLst/>
+                        </a:rPr>
+                        <a:t>a / b</a:t>
+                      </a:r>
+                    </a:p>
+                  </a:txBody>
+                  <a:tcPr anchor="ctr"/>
+                </a:tc>
+                <a:tc>
+                  <a:txBody>
+                    <a:bodyPr/>
+                    <a:lstStyle/>
+                    <a:p>
+                      <a:pPr>
+                        <a:buNone/>
+                      </a:pPr>
+                      <a:r>
+                        <a:rPr lang="en-US" sz="1400" dirty="0">
+                          <a:effectLst/>
+                        </a:rPr>
+                        <a:t>a.div(b)</a:t>
+                      </a:r>
+                    </a:p>
+                  </a:txBody>
+                  <a:tcPr anchor="ctr"/>
+                </a:tc>
+                <a:extLst>
+                  <a:ext uri="{0D108BD9-81ED-4DB2-BD59-A6C34878D82A}">
+                    <a16:rowId xmlns:a16="http://schemas.microsoft.com/office/drawing/2014/main" val="2233225794"/>
+                  </a:ext>
+                </a:extLst>
+              </a:tr>
+              <a:tr h="354461">
+                <a:tc>
+                  <a:txBody>
+                    <a:bodyPr/>
+                    <a:lstStyle/>
+                    <a:p>
+                      <a:pPr>
+                        <a:buNone/>
+                      </a:pPr>
+                      <a:r>
+                        <a:rPr lang="en-US" sz="1400" dirty="0">
+                          <a:effectLst/>
+                        </a:rPr>
+                        <a:t>a * b</a:t>
+                      </a:r>
+                    </a:p>
+                  </a:txBody>
+                  <a:tcPr anchor="ctr"/>
+                </a:tc>
+                <a:tc>
+                  <a:txBody>
+                    <a:bodyPr/>
+                    <a:lstStyle/>
+                    <a:p>
+                      <a:pPr>
+                        <a:buNone/>
+                      </a:pPr>
+                      <a:r>
+                        <a:rPr lang="en-US" sz="1400" dirty="0">
+                          <a:effectLst/>
+                        </a:rPr>
+                        <a:t>a.times(b)</a:t>
+                      </a:r>
+                    </a:p>
+                  </a:txBody>
+                  <a:tcPr anchor="ctr"/>
+                </a:tc>
+                <a:extLst>
+                  <a:ext uri="{0D108BD9-81ED-4DB2-BD59-A6C34878D82A}">
+                    <a16:rowId xmlns:a16="http://schemas.microsoft.com/office/drawing/2014/main" val="3708674823"/>
+                  </a:ext>
+                </a:extLst>
+              </a:tr>
+              <a:tr h="354461">
+                <a:tc>
+                  <a:txBody>
+                    <a:bodyPr/>
+                    <a:lstStyle/>
+                    <a:p>
+                      <a:pPr>
+                        <a:buNone/>
+                      </a:pPr>
+                      <a:r>
+                        <a:rPr lang="en-US" sz="1400" dirty="0">
+                          <a:effectLst/>
+                        </a:rPr>
+                        <a:t>a % b</a:t>
+                      </a:r>
+                    </a:p>
+                  </a:txBody>
+                  <a:tcPr anchor="ctr"/>
+                </a:tc>
+                <a:tc>
+                  <a:txBody>
+                    <a:bodyPr/>
+                    <a:lstStyle/>
+                    <a:p>
+                      <a:pPr>
+                        <a:buNone/>
+                      </a:pPr>
+                      <a:r>
+                        <a:rPr lang="en-US" sz="1400" dirty="0">
+                          <a:effectLst/>
+                        </a:rPr>
+                        <a:t>a.rem(b)</a:t>
+                      </a:r>
+                    </a:p>
+                  </a:txBody>
+                  <a:tcPr anchor="ctr"/>
+                </a:tc>
+                <a:extLst>
+                  <a:ext uri="{0D108BD9-81ED-4DB2-BD59-A6C34878D82A}">
+                    <a16:rowId xmlns:a16="http://schemas.microsoft.com/office/drawing/2014/main" val="1067586053"/>
+                  </a:ext>
+                </a:extLst>
+              </a:tr>
+              <a:tr h="354461">
+                <a:tc>
+                  <a:txBody>
+                    <a:bodyPr/>
+                    <a:lstStyle/>
+                    <a:p>
+                      <a:pPr>
+                        <a:buNone/>
+                      </a:pPr>
+                      <a:r>
+                        <a:rPr lang="en-US" sz="1400" dirty="0">
+                          <a:effectLst/>
+                        </a:rPr>
+                        <a:t>a..b</a:t>
+                      </a:r>
+                    </a:p>
+                  </a:txBody>
+                  <a:tcPr anchor="ctr"/>
+                </a:tc>
+                <a:tc>
+                  <a:txBody>
+                    <a:bodyPr/>
+                    <a:lstStyle/>
+                    <a:p>
+                      <a:pPr>
+                        <a:buNone/>
+                      </a:pPr>
+                      <a:r>
+                        <a:rPr lang="en-US" sz="1400" dirty="0">
+                          <a:effectLst/>
+                        </a:rPr>
+                        <a:t>a.</a:t>
+                      </a:r>
+                      <a:r>
+                        <a:rPr lang="en-US" sz="1400" dirty="0" err="1">
+                          <a:effectLst/>
+                        </a:rPr>
+                        <a:t>rangeTo</a:t>
+                      </a:r>
+                      <a:r>
+                        <a:rPr lang="en-US" sz="1400" dirty="0">
+                          <a:effectLst/>
+                        </a:rPr>
+                        <a:t>(b)</a:t>
+                      </a:r>
+                    </a:p>
+                  </a:txBody>
+                  <a:tcPr anchor="ctr"/>
+                </a:tc>
+                <a:extLst>
+                  <a:ext uri="{0D108BD9-81ED-4DB2-BD59-A6C34878D82A}">
+                    <a16:rowId xmlns:a16="http://schemas.microsoft.com/office/drawing/2014/main" val="1216752501"/>
+                  </a:ext>
+                </a:extLst>
+              </a:tr>
+              <a:tr h="354461">
+                <a:tc>
+                  <a:txBody>
+                    <a:bodyPr/>
+                    <a:lstStyle/>
+                    <a:p>
+                      <a:pPr>
+                        <a:buNone/>
+                      </a:pPr>
+                      <a:r>
+                        <a:rPr lang="en-US" sz="1400" dirty="0">
+                          <a:effectLst/>
+                        </a:rPr>
+                        <a:t>a -= b</a:t>
+                      </a:r>
+                    </a:p>
+                  </a:txBody>
+                  <a:tcPr anchor="ctr"/>
+                </a:tc>
+                <a:tc>
+                  <a:txBody>
+                    <a:bodyPr/>
+                    <a:lstStyle/>
+                    <a:p>
+                      <a:pPr>
+                        <a:buNone/>
+                      </a:pPr>
+                      <a:r>
+                        <a:rPr lang="en-US" sz="1400" dirty="0">
+                          <a:effectLst/>
+                        </a:rPr>
+                        <a:t>a.</a:t>
+                      </a:r>
+                      <a:r>
+                        <a:rPr lang="en-US" sz="1400" dirty="0" err="1">
+                          <a:effectLst/>
+                        </a:rPr>
+                        <a:t>minusAssign</a:t>
+                      </a:r>
+                      <a:r>
+                        <a:rPr lang="en-US" sz="1400" dirty="0">
+                          <a:effectLst/>
+                        </a:rPr>
+                        <a:t>(b)</a:t>
+                      </a:r>
+                    </a:p>
+                  </a:txBody>
+                  <a:tcPr anchor="ctr"/>
+                </a:tc>
+                <a:extLst>
+                  <a:ext uri="{0D108BD9-81ED-4DB2-BD59-A6C34878D82A}">
+                    <a16:rowId xmlns:a16="http://schemas.microsoft.com/office/drawing/2014/main" val="2795716726"/>
+                  </a:ext>
+                </a:extLst>
+              </a:tr>
+              <a:tr h="354461">
+                <a:tc>
+                  <a:txBody>
+                    <a:bodyPr/>
+                    <a:lstStyle/>
+                    <a:p>
+                      <a:pPr>
+                        <a:buNone/>
+                      </a:pPr>
+                      <a:r>
+                        <a:rPr lang="en-US" sz="1400" dirty="0">
+                          <a:effectLst/>
+                        </a:rPr>
+                        <a:t>a *= b</a:t>
+                      </a:r>
+                    </a:p>
+                  </a:txBody>
+                  <a:tcPr anchor="ctr"/>
+                </a:tc>
+                <a:tc>
+                  <a:txBody>
+                    <a:bodyPr/>
+                    <a:lstStyle/>
+                    <a:p>
+                      <a:pPr>
+                        <a:buNone/>
+                      </a:pPr>
+                      <a:r>
+                        <a:rPr lang="en-US" sz="1400" dirty="0">
+                          <a:effectLst/>
+                        </a:rPr>
+                        <a:t>a.</a:t>
+                      </a:r>
+                      <a:r>
+                        <a:rPr lang="en-US" sz="1400" dirty="0" err="1">
+                          <a:effectLst/>
+                        </a:rPr>
+                        <a:t>timesAssign</a:t>
+                      </a:r>
+                      <a:r>
+                        <a:rPr lang="en-US" sz="1400" dirty="0">
+                          <a:effectLst/>
+                        </a:rPr>
+                        <a:t>(b)</a:t>
+                      </a:r>
+                    </a:p>
+                  </a:txBody>
+                  <a:tcPr anchor="ctr"/>
+                </a:tc>
+                <a:extLst>
+                  <a:ext uri="{0D108BD9-81ED-4DB2-BD59-A6C34878D82A}">
+                    <a16:rowId xmlns:a16="http://schemas.microsoft.com/office/drawing/2014/main" val="4208977633"/>
+                  </a:ext>
+                </a:extLst>
+              </a:tr>
+              <a:tr h="354461">
+                <a:tc>
+                  <a:txBody>
+                    <a:bodyPr/>
+                    <a:lstStyle/>
+                    <a:p>
+                      <a:pPr>
+                        <a:buNone/>
+                      </a:pPr>
+                      <a:r>
+                        <a:rPr lang="en-US" sz="1400" dirty="0">
+                          <a:effectLst/>
+                        </a:rPr>
+                        <a:t>a /= b</a:t>
+                      </a:r>
+                    </a:p>
+                  </a:txBody>
+                  <a:tcPr anchor="ctr"/>
+                </a:tc>
+                <a:tc>
+                  <a:txBody>
+                    <a:bodyPr/>
+                    <a:lstStyle/>
+                    <a:p>
+                      <a:pPr>
+                        <a:buNone/>
+                      </a:pPr>
+                      <a:r>
+                        <a:rPr lang="en-US" sz="1400" dirty="0">
+                          <a:effectLst/>
+                        </a:rPr>
+                        <a:t>a.</a:t>
+                      </a:r>
+                      <a:r>
+                        <a:rPr lang="en-US" sz="1400" dirty="0" err="1">
+                          <a:effectLst/>
+                        </a:rPr>
+                        <a:t>divAssign</a:t>
+                      </a:r>
+                      <a:r>
+                        <a:rPr lang="en-US" sz="1400" dirty="0">
+                          <a:effectLst/>
+                        </a:rPr>
+                        <a:t>(b)</a:t>
+                      </a:r>
+                    </a:p>
+                  </a:txBody>
+                  <a:tcPr anchor="ctr"/>
+                </a:tc>
+                <a:extLst>
+                  <a:ext uri="{0D108BD9-81ED-4DB2-BD59-A6C34878D82A}">
+                    <a16:rowId xmlns:a16="http://schemas.microsoft.com/office/drawing/2014/main" val="1773665518"/>
+                  </a:ext>
+                </a:extLst>
+              </a:tr>
+            </a:tbl>
+          </a:graphicData>
+        </a:graphic>
+      </p:graphicFrame>
+      <p:graphicFrame>
+        <p:nvGraphicFramePr>
+          <p:cNvPr id="7" name="Table 6"/>
+          <p:cNvGraphicFramePr>
+            <a:graphicFrameLocks noGrp="1"/>
+          </p:cNvGraphicFramePr>
+          <p:nvPr>
+            <p:extLst>
+              <p:ext uri="{D42A27DB-BD31-4B8C-83A1-F6EECF244321}">
+                <p14:modId xmlns:p14="http://schemas.microsoft.com/office/powerpoint/2010/main" val="2752699772"/>
+              </p:ext>
+            </p:extLst>
+          </p:nvPr>
+        </p:nvGraphicFramePr>
+        <p:xfrm>
+          <a:off x="5829830" y="1924050"/>
+          <a:ext cx="4560766" cy="4125475"/>
+        </p:xfrm>
+        <a:graphic>
+          <a:graphicData uri="http://schemas.openxmlformats.org/drawingml/2006/table">
+            <a:tbl>
+              <a:tblPr firstRow="1" bandRow="1">
+                <a:tableStyleId>{5C22544A-7EE6-4342-B048-85BDC9FD1C3A}</a:tableStyleId>
+              </a:tblPr>
+              <a:tblGrid>
+                <a:gridCol w="2622631">
+                  <a:extLst>
+                    <a:ext uri="{9D8B030D-6E8A-4147-A177-3AD203B41FA5}">
+                      <a16:colId xmlns:a16="http://schemas.microsoft.com/office/drawing/2014/main" val="1457407585"/>
+                    </a:ext>
+                  </a:extLst>
+                </a:gridCol>
+                <a:gridCol w="1938135">
+                  <a:extLst>
+                    <a:ext uri="{9D8B030D-6E8A-4147-A177-3AD203B41FA5}">
+                      <a16:colId xmlns:a16="http://schemas.microsoft.com/office/drawing/2014/main" val="4107121429"/>
+                    </a:ext>
+                  </a:extLst>
+                </a:gridCol>
+              </a:tblGrid>
+              <a:tr h="828675">
+                <a:tc>
+                  <a:txBody>
+                    <a:bodyPr/>
+                    <a:lstStyle/>
+                    <a:p>
+                      <a:pPr rtl="0" fontAlgn="base"/>
+                      <a:endParaRPr lang="en-US" dirty="0">
+                        <a:effectLst/>
+                      </a:endParaRPr>
+                    </a:p>
+                    <a:p>
+                      <a:pPr lvl="0" fontAlgn="base">
+                        <a:buNone/>
+                      </a:pPr>
+                      <a:endParaRPr lang="en-US" dirty="0">
+                        <a:effectLst/>
+                      </a:endParaRPr>
+                    </a:p>
+                  </a:txBody>
+                  <a:tcPr anchor="ctr"/>
+                </a:tc>
+                <a:tc>
+                  <a:txBody>
+                    <a:bodyPr/>
+                    <a:lstStyle/>
+                    <a:p>
+                      <a:pPr rtl="0" fontAlgn="base"/>
+                      <a:endParaRPr lang="en-US" dirty="0">
+                        <a:effectLst/>
+                      </a:endParaRPr>
+                    </a:p>
+                  </a:txBody>
+                  <a:tcPr anchor="ctr"/>
+                </a:tc>
+                <a:extLst>
+                  <a:ext uri="{0D108BD9-81ED-4DB2-BD59-A6C34878D82A}">
+                    <a16:rowId xmlns:a16="http://schemas.microsoft.com/office/drawing/2014/main" val="1957440574"/>
+                  </a:ext>
+                </a:extLst>
+              </a:tr>
+              <a:tr h="473799">
+                <a:tc>
+                  <a:txBody>
+                    <a:bodyPr/>
+                    <a:lstStyle/>
+                    <a:p>
+                      <a:pPr lvl="0" algn="l" fontAlgn="base">
+                        <a:buNone/>
+                      </a:pPr>
+                      <a:r>
+                        <a:rPr lang="en-US" sz="1400" b="0" i="0" u="none" strike="noStrike" noProof="0" dirty="0">
+                          <a:solidFill>
+                            <a:srgbClr val="000000"/>
+                          </a:solidFill>
+                          <a:effectLst/>
+                          <a:latin typeface="Calibri"/>
+                        </a:rPr>
+                        <a:t>a %= b </a:t>
+                      </a:r>
+                      <a:endParaRPr lang="en-US" sz="1400" b="0">
+                        <a:effectLst/>
+                      </a:endParaRPr>
+                    </a:p>
+                  </a:txBody>
+                  <a:tcPr anchor="ctr"/>
+                </a:tc>
+                <a:tc>
+                  <a:txBody>
+                    <a:bodyPr/>
+                    <a:lstStyle/>
+                    <a:p>
+                      <a:pPr lvl="0" algn="l" fontAlgn="base">
+                        <a:buNone/>
+                      </a:pPr>
+                      <a:r>
+                        <a:rPr lang="en-US" sz="1400" b="0" i="0" u="none" strike="noStrike" noProof="0" dirty="0">
+                          <a:solidFill>
+                            <a:srgbClr val="000000"/>
+                          </a:solidFill>
+                          <a:effectLst/>
+                          <a:latin typeface="Calibri"/>
+                        </a:rPr>
+                        <a:t>a.remAssign(b) </a:t>
+                      </a:r>
+                      <a:endParaRPr lang="en-US" sz="1400" b="0">
+                        <a:effectLst/>
+                      </a:endParaRPr>
+                    </a:p>
+                  </a:txBody>
+                  <a:tcPr anchor="ctr"/>
+                </a:tc>
+                <a:extLst>
+                  <a:ext uri="{0D108BD9-81ED-4DB2-BD59-A6C34878D82A}">
+                    <a16:rowId xmlns:a16="http://schemas.microsoft.com/office/drawing/2014/main" val="1850880967"/>
+                  </a:ext>
+                </a:extLst>
+              </a:tr>
+              <a:tr h="302920">
+                <a:tc>
+                  <a:txBody>
+                    <a:bodyPr/>
+                    <a:lstStyle/>
+                    <a:p>
+                      <a:pPr rtl="0" fontAlgn="base"/>
+                      <a:r>
+                        <a:rPr lang="en-US" sz="1400" dirty="0">
+                          <a:effectLst/>
+                        </a:rPr>
+                        <a:t>a in b​</a:t>
+                      </a:r>
+                    </a:p>
+                  </a:txBody>
+                  <a:tcPr anchor="ctr"/>
+                </a:tc>
+                <a:tc>
+                  <a:txBody>
+                    <a:bodyPr/>
+                    <a:lstStyle/>
+                    <a:p>
+                      <a:pPr rtl="0" fontAlgn="base"/>
+                      <a:r>
+                        <a:rPr lang="en-US" sz="1400" dirty="0">
+                          <a:effectLst/>
+                        </a:rPr>
+                        <a:t>b.contains(a)​</a:t>
+                      </a:r>
+                    </a:p>
+                  </a:txBody>
+                  <a:tcPr anchor="ctr"/>
+                </a:tc>
+                <a:extLst>
+                  <a:ext uri="{0D108BD9-81ED-4DB2-BD59-A6C34878D82A}">
+                    <a16:rowId xmlns:a16="http://schemas.microsoft.com/office/drawing/2014/main" val="3142843101"/>
+                  </a:ext>
+                </a:extLst>
+              </a:tr>
+              <a:tr h="302920">
+                <a:tc>
+                  <a:txBody>
+                    <a:bodyPr/>
+                    <a:lstStyle/>
+                    <a:p>
+                      <a:pPr rtl="0" fontAlgn="base"/>
+                      <a:r>
+                        <a:rPr lang="en-US" sz="1400" dirty="0">
+                          <a:effectLst/>
+                        </a:rPr>
+                        <a:t>a !in b​</a:t>
+                      </a:r>
+                    </a:p>
+                  </a:txBody>
+                  <a:tcPr anchor="ctr"/>
+                </a:tc>
+                <a:tc>
+                  <a:txBody>
+                    <a:bodyPr/>
+                    <a:lstStyle/>
+                    <a:p>
+                      <a:pPr rtl="0" fontAlgn="base"/>
+                      <a:r>
+                        <a:rPr lang="en-US" sz="1400" dirty="0">
+                          <a:effectLst/>
+                        </a:rPr>
+                        <a:t>!b.contains(a)​</a:t>
+                      </a:r>
+                    </a:p>
+                  </a:txBody>
+                  <a:tcPr anchor="ctr"/>
+                </a:tc>
+                <a:extLst>
+                  <a:ext uri="{0D108BD9-81ED-4DB2-BD59-A6C34878D82A}">
+                    <a16:rowId xmlns:a16="http://schemas.microsoft.com/office/drawing/2014/main" val="932266271"/>
+                  </a:ext>
+                </a:extLst>
+              </a:tr>
+              <a:tr h="302920">
+                <a:tc>
+                  <a:txBody>
+                    <a:bodyPr/>
+                    <a:lstStyle/>
+                    <a:p>
+                      <a:pPr rtl="0" fontAlgn="base"/>
+                      <a:r>
+                        <a:rPr lang="en-US" sz="1400" dirty="0">
+                          <a:effectLst/>
+                        </a:rPr>
+                        <a:t>a[</a:t>
+                      </a:r>
+                      <a:r>
+                        <a:rPr lang="en-US" sz="1400" dirty="0" err="1">
+                          <a:effectLst/>
+                        </a:rPr>
+                        <a:t>i</a:t>
+                      </a:r>
+                      <a:r>
+                        <a:rPr lang="en-US" sz="1400" dirty="0">
+                          <a:effectLst/>
+                        </a:rPr>
+                        <a:t>]​</a:t>
+                      </a:r>
+                    </a:p>
+                  </a:txBody>
+                  <a:tcPr anchor="ctr"/>
+                </a:tc>
+                <a:tc>
+                  <a:txBody>
+                    <a:bodyPr/>
+                    <a:lstStyle/>
+                    <a:p>
+                      <a:pPr rtl="0" fontAlgn="base"/>
+                      <a:r>
+                        <a:rPr lang="en-US" sz="1400" dirty="0">
+                          <a:effectLst/>
+                        </a:rPr>
+                        <a:t>a.get(</a:t>
+                      </a:r>
+                      <a:r>
+                        <a:rPr lang="en-US" sz="1400" dirty="0" err="1">
+                          <a:effectLst/>
+                        </a:rPr>
+                        <a:t>i</a:t>
+                      </a:r>
+                      <a:r>
+                        <a:rPr lang="en-US" sz="1400" dirty="0">
+                          <a:effectLst/>
+                        </a:rPr>
+                        <a:t>)​</a:t>
+                      </a:r>
+                    </a:p>
+                  </a:txBody>
+                  <a:tcPr anchor="ctr"/>
+                </a:tc>
+                <a:extLst>
+                  <a:ext uri="{0D108BD9-81ED-4DB2-BD59-A6C34878D82A}">
+                    <a16:rowId xmlns:a16="http://schemas.microsoft.com/office/drawing/2014/main" val="4017415256"/>
+                  </a:ext>
+                </a:extLst>
+              </a:tr>
+              <a:tr h="302920">
+                <a:tc>
+                  <a:txBody>
+                    <a:bodyPr/>
+                    <a:lstStyle/>
+                    <a:p>
+                      <a:pPr rtl="0" fontAlgn="base"/>
+                      <a:r>
+                        <a:rPr lang="en-US" sz="1400" dirty="0">
+                          <a:effectLst/>
+                        </a:rPr>
+                        <a:t>a[</a:t>
+                      </a:r>
+                      <a:r>
+                        <a:rPr lang="en-US" sz="1400" dirty="0" err="1">
+                          <a:effectLst/>
+                        </a:rPr>
+                        <a:t>i</a:t>
+                      </a:r>
+                      <a:r>
+                        <a:rPr lang="en-US" sz="1400" dirty="0">
+                          <a:effectLst/>
+                        </a:rPr>
+                        <a:t>, j]​</a:t>
+                      </a:r>
+                    </a:p>
+                  </a:txBody>
+                  <a:tcPr anchor="ctr"/>
+                </a:tc>
+                <a:tc>
+                  <a:txBody>
+                    <a:bodyPr/>
+                    <a:lstStyle/>
+                    <a:p>
+                      <a:pPr rtl="0" fontAlgn="base"/>
+                      <a:r>
+                        <a:rPr lang="en-US" sz="1400" dirty="0">
+                          <a:effectLst/>
+                        </a:rPr>
+                        <a:t>a.get(</a:t>
+                      </a:r>
+                      <a:r>
+                        <a:rPr lang="en-US" sz="1400" dirty="0" err="1">
+                          <a:effectLst/>
+                        </a:rPr>
+                        <a:t>i</a:t>
+                      </a:r>
+                      <a:r>
+                        <a:rPr lang="en-US" sz="1400" dirty="0">
+                          <a:effectLst/>
+                        </a:rPr>
+                        <a:t>, j)​</a:t>
+                      </a:r>
+                    </a:p>
+                  </a:txBody>
+                  <a:tcPr anchor="ctr"/>
+                </a:tc>
+                <a:extLst>
+                  <a:ext uri="{0D108BD9-81ED-4DB2-BD59-A6C34878D82A}">
+                    <a16:rowId xmlns:a16="http://schemas.microsoft.com/office/drawing/2014/main" val="3236004901"/>
+                  </a:ext>
+                </a:extLst>
+              </a:tr>
+              <a:tr h="473799">
+                <a:tc>
+                  <a:txBody>
+                    <a:bodyPr/>
+                    <a:lstStyle/>
+                    <a:p>
+                      <a:pPr rtl="0" fontAlgn="base"/>
+                      <a:r>
+                        <a:rPr lang="en-US" sz="1400" dirty="0">
+                          <a:effectLst/>
+                        </a:rPr>
+                        <a:t>a[</a:t>
+                      </a:r>
+                      <a:r>
+                        <a:rPr lang="en-US" sz="1400" err="1">
+                          <a:effectLst/>
+                        </a:rPr>
+                        <a:t>i</a:t>
+                      </a:r>
+                      <a:r>
+                        <a:rPr lang="en-US" sz="1400" dirty="0">
+                          <a:effectLst/>
+                        </a:rPr>
+                        <a:t>_1, ..., </a:t>
+                      </a:r>
+                      <a:r>
+                        <a:rPr lang="en-US" sz="1400" err="1">
+                          <a:effectLst/>
+                        </a:rPr>
+                        <a:t>i</a:t>
+                      </a:r>
+                      <a:r>
+                        <a:rPr lang="en-US" sz="1400" dirty="0">
+                          <a:effectLst/>
+                        </a:rPr>
+                        <a:t>_n]​</a:t>
+                      </a:r>
+                    </a:p>
+                  </a:txBody>
+                  <a:tcPr anchor="ctr"/>
+                </a:tc>
+                <a:tc>
+                  <a:txBody>
+                    <a:bodyPr/>
+                    <a:lstStyle/>
+                    <a:p>
+                      <a:pPr rtl="0" fontAlgn="base"/>
+                      <a:r>
+                        <a:rPr lang="en-US" sz="1400" dirty="0">
+                          <a:effectLst/>
+                        </a:rPr>
+                        <a:t>a.get(</a:t>
+                      </a:r>
+                      <a:r>
+                        <a:rPr lang="en-US" sz="1400" err="1">
+                          <a:effectLst/>
+                        </a:rPr>
+                        <a:t>i</a:t>
+                      </a:r>
+                      <a:r>
+                        <a:rPr lang="en-US" sz="1400" dirty="0">
+                          <a:effectLst/>
+                        </a:rPr>
+                        <a:t>_1, ..., </a:t>
+                      </a:r>
+                      <a:r>
+                        <a:rPr lang="en-US" sz="1400" err="1">
+                          <a:effectLst/>
+                        </a:rPr>
+                        <a:t>i</a:t>
+                      </a:r>
+                      <a:r>
+                        <a:rPr lang="en-US" sz="1400" dirty="0">
+                          <a:effectLst/>
+                        </a:rPr>
+                        <a:t>_n)​</a:t>
+                      </a:r>
+                    </a:p>
+                  </a:txBody>
+                  <a:tcPr anchor="ctr"/>
+                </a:tc>
+                <a:extLst>
+                  <a:ext uri="{0D108BD9-81ED-4DB2-BD59-A6C34878D82A}">
+                    <a16:rowId xmlns:a16="http://schemas.microsoft.com/office/drawing/2014/main" val="2152805626"/>
+                  </a:ext>
+                </a:extLst>
+              </a:tr>
+              <a:tr h="302920">
+                <a:tc>
+                  <a:txBody>
+                    <a:bodyPr/>
+                    <a:lstStyle/>
+                    <a:p>
+                      <a:pPr rtl="0" fontAlgn="base"/>
+                      <a:r>
+                        <a:rPr lang="en-US" sz="1400" dirty="0">
+                          <a:effectLst/>
+                        </a:rPr>
+                        <a:t>a[</a:t>
+                      </a:r>
+                      <a:r>
+                        <a:rPr lang="en-US" sz="1400" err="1">
+                          <a:effectLst/>
+                        </a:rPr>
+                        <a:t>i</a:t>
+                      </a:r>
+                      <a:r>
+                        <a:rPr lang="en-US" sz="1400" dirty="0">
+                          <a:effectLst/>
+                        </a:rPr>
+                        <a:t>] = b​</a:t>
+                      </a:r>
+                    </a:p>
+                  </a:txBody>
+                  <a:tcPr anchor="ctr"/>
+                </a:tc>
+                <a:tc>
+                  <a:txBody>
+                    <a:bodyPr/>
+                    <a:lstStyle/>
+                    <a:p>
+                      <a:pPr rtl="0" fontAlgn="base"/>
+                      <a:r>
+                        <a:rPr lang="en-US" sz="1400" dirty="0">
+                          <a:effectLst/>
+                        </a:rPr>
+                        <a:t>a.set(</a:t>
+                      </a:r>
+                      <a:r>
+                        <a:rPr lang="en-US" sz="1400" err="1">
+                          <a:effectLst/>
+                        </a:rPr>
+                        <a:t>i</a:t>
+                      </a:r>
+                      <a:r>
+                        <a:rPr lang="en-US" sz="1400" dirty="0">
+                          <a:effectLst/>
+                        </a:rPr>
+                        <a:t>, b)​</a:t>
+                      </a:r>
+                    </a:p>
+                  </a:txBody>
+                  <a:tcPr anchor="ctr"/>
+                </a:tc>
+                <a:extLst>
+                  <a:ext uri="{0D108BD9-81ED-4DB2-BD59-A6C34878D82A}">
+                    <a16:rowId xmlns:a16="http://schemas.microsoft.com/office/drawing/2014/main" val="2388087531"/>
+                  </a:ext>
+                </a:extLst>
+              </a:tr>
+              <a:tr h="302920">
+                <a:tc>
+                  <a:txBody>
+                    <a:bodyPr/>
+                    <a:lstStyle/>
+                    <a:p>
+                      <a:pPr rtl="0" fontAlgn="base"/>
+                      <a:r>
+                        <a:rPr lang="en-US" sz="1400" dirty="0">
+                          <a:effectLst/>
+                        </a:rPr>
+                        <a:t>a[</a:t>
+                      </a:r>
+                      <a:r>
+                        <a:rPr lang="en-US" sz="1400" err="1">
+                          <a:effectLst/>
+                        </a:rPr>
+                        <a:t>i</a:t>
+                      </a:r>
+                      <a:r>
+                        <a:rPr lang="en-US" sz="1400" dirty="0">
+                          <a:effectLst/>
+                        </a:rPr>
+                        <a:t>, j] = b​</a:t>
+                      </a:r>
+                    </a:p>
+                  </a:txBody>
+                  <a:tcPr anchor="ctr"/>
+                </a:tc>
+                <a:tc>
+                  <a:txBody>
+                    <a:bodyPr/>
+                    <a:lstStyle/>
+                    <a:p>
+                      <a:pPr rtl="0" fontAlgn="base"/>
+                      <a:r>
+                        <a:rPr lang="en-US" sz="1400" dirty="0">
+                          <a:effectLst/>
+                        </a:rPr>
+                        <a:t>a.set(</a:t>
+                      </a:r>
+                      <a:r>
+                        <a:rPr lang="en-US" sz="1400" err="1">
+                          <a:effectLst/>
+                        </a:rPr>
+                        <a:t>i</a:t>
+                      </a:r>
+                      <a:r>
+                        <a:rPr lang="en-US" sz="1400" dirty="0">
+                          <a:effectLst/>
+                        </a:rPr>
+                        <a:t>, j, b)​</a:t>
+                      </a:r>
+                    </a:p>
+                  </a:txBody>
+                  <a:tcPr anchor="ctr"/>
+                </a:tc>
+                <a:extLst>
+                  <a:ext uri="{0D108BD9-81ED-4DB2-BD59-A6C34878D82A}">
+                    <a16:rowId xmlns:a16="http://schemas.microsoft.com/office/drawing/2014/main" val="161110592"/>
+                  </a:ext>
+                </a:extLst>
+              </a:tr>
+              <a:tr h="520402">
+                <a:tc>
+                  <a:txBody>
+                    <a:bodyPr/>
+                    <a:lstStyle/>
+                    <a:p>
+                      <a:pPr rtl="0" fontAlgn="base"/>
+                      <a:r>
+                        <a:rPr lang="en-US" sz="1400" dirty="0">
+                          <a:effectLst/>
+                        </a:rPr>
+                        <a:t>a[</a:t>
+                      </a:r>
+                      <a:r>
+                        <a:rPr lang="en-US" sz="1400" err="1">
+                          <a:effectLst/>
+                        </a:rPr>
+                        <a:t>i</a:t>
+                      </a:r>
+                      <a:r>
+                        <a:rPr lang="en-US" sz="1400" dirty="0">
+                          <a:effectLst/>
+                        </a:rPr>
+                        <a:t>_1, ..., </a:t>
+                      </a:r>
+                      <a:r>
+                        <a:rPr lang="en-US" sz="1400" err="1">
+                          <a:effectLst/>
+                        </a:rPr>
+                        <a:t>i</a:t>
+                      </a:r>
+                      <a:r>
+                        <a:rPr lang="en-US" sz="1400" dirty="0">
+                          <a:effectLst/>
+                        </a:rPr>
+                        <a:t>_n] = b​</a:t>
+                      </a:r>
+                    </a:p>
+                  </a:txBody>
+                  <a:tcPr anchor="ctr"/>
+                </a:tc>
+                <a:tc>
+                  <a:txBody>
+                    <a:bodyPr/>
+                    <a:lstStyle/>
+                    <a:p>
+                      <a:pPr rtl="0" fontAlgn="base"/>
+                      <a:r>
+                        <a:rPr lang="en-US" sz="1400" dirty="0">
+                          <a:effectLst/>
+                        </a:rPr>
+                        <a:t>a.set(</a:t>
+                      </a:r>
+                      <a:r>
+                        <a:rPr lang="en-US" sz="1400" err="1">
+                          <a:effectLst/>
+                        </a:rPr>
+                        <a:t>i</a:t>
+                      </a:r>
+                      <a:r>
+                        <a:rPr lang="en-US" sz="1400" dirty="0">
+                          <a:effectLst/>
+                        </a:rPr>
+                        <a:t>_1, ..., </a:t>
+                      </a:r>
+                      <a:r>
+                        <a:rPr lang="en-US" sz="1400" err="1">
+                          <a:effectLst/>
+                        </a:rPr>
+                        <a:t>i</a:t>
+                      </a:r>
+                      <a:r>
+                        <a:rPr lang="en-US" sz="1400" dirty="0">
+                          <a:effectLst/>
+                        </a:rPr>
+                        <a:t>_n, b)​</a:t>
+                      </a:r>
+                    </a:p>
+                  </a:txBody>
+                  <a:tcPr anchor="ctr"/>
+                </a:tc>
+                <a:extLst>
+                  <a:ext uri="{0D108BD9-81ED-4DB2-BD59-A6C34878D82A}">
+                    <a16:rowId xmlns:a16="http://schemas.microsoft.com/office/drawing/2014/main" val="1145839689"/>
+                  </a:ext>
+                </a:extLst>
+              </a:tr>
+            </a:tbl>
+          </a:graphicData>
+        </a:graphic>
+      </p:graphicFrame>
     </p:spTree>
     <p:extLst>
       <p:ext uri="{BB962C8B-B14F-4D97-AF65-F5344CB8AC3E}">
-        <p14:creationId xmlns:p14="http://schemas.microsoft.com/office/powerpoint/2010/main" val="2381797691"/>
+        <p14:creationId xmlns:p14="http://schemas.microsoft.com/office/powerpoint/2010/main" val="1166657598"/>
       </p:ext>
     </p:extLst>
   </p:cSld>
@@ -4848,6 +5883,212 @@
           <a:p>
             <a:r>
               <a:rPr lang="en-US" dirty="0"/>
+              <a:t>Going Forward</a:t>
+            </a:r>
+          </a:p>
+        </p:txBody>
+      </p:sp>
+      <p:sp>
+        <p:nvSpPr>
+          <p:cNvPr id="3" name="Content Placeholder 2"/>
+          <p:cNvSpPr>
+            <a:spLocks noGrp="1"/>
+          </p:cNvSpPr>
+          <p:nvPr>
+            <p:ph idx="1"/>
+          </p:nvPr>
+        </p:nvSpPr>
+        <p:spPr/>
+        <p:txBody>
+          <a:bodyPr vert="horz" lIns="0" tIns="45720" rIns="0" bIns="45720" rtlCol="0" anchor="t">
+            <a:normAutofit/>
+          </a:bodyPr>
+          <a:lstStyle/>
+          <a:p>
+            <a:r>
+              <a:rPr lang="en-US" dirty="0"/>
+              <a:t>If you have gotten this far, congrats! You have a fundamental mastery of Kotlin for the purposes of data science. </a:t>
+            </a:r>
+          </a:p>
+          <a:p>
+            <a:r>
+              <a:rPr lang="en-US" dirty="0"/>
+              <a:t>A number of growing resources exist to further your knowledge of Kotlin. </a:t>
+            </a:r>
+          </a:p>
+          <a:p>
+            <a:pPr marL="383540" lvl="1"/>
+            <a:r>
+              <a:rPr lang="en-US" dirty="0"/>
+              <a:t>Kotlin Reference - </a:t>
+            </a:r>
+            <a:r>
+              <a:rPr lang="en-US" dirty="0">
+                <a:hlinkClick r:id="rId2"/>
+              </a:rPr>
+              <a:t>https://kotlinlang.org/docs/reference/</a:t>
+            </a:r>
+          </a:p>
+          <a:p>
+            <a:pPr marL="383540" lvl="1">
+              <a:buClr>
+                <a:srgbClr val="E48312"/>
+              </a:buClr>
+            </a:pPr>
+            <a:r>
+              <a:rPr lang="en-US" dirty="0"/>
+              <a:t>O'Reilly Video: Intro to Kotlin Programming - </a:t>
+            </a:r>
+            <a:r>
+              <a:rPr lang="en-US" dirty="0">
+                <a:hlinkClick r:id="rId3"/>
+              </a:rPr>
+              <a:t>https://goo.gl/TyAift</a:t>
+            </a:r>
+          </a:p>
+          <a:p>
+            <a:pPr marL="383540" lvl="1">
+              <a:buClr>
+                <a:srgbClr val="E48312"/>
+              </a:buClr>
+            </a:pPr>
+            <a:r>
+              <a:rPr lang="en-US" dirty="0"/>
+              <a:t>Manning Book: Kotlin in Action - </a:t>
+            </a:r>
+            <a:r>
+              <a:rPr lang="en-US" dirty="0">
+                <a:hlinkClick r:id="rId4"/>
+              </a:rPr>
+              <a:t>https://goo.gl/VWszcP</a:t>
+            </a:r>
+            <a:endParaRPr lang="en-US" dirty="0"/>
+          </a:p>
+          <a:p>
+            <a:r>
+              <a:rPr lang="en-US" dirty="0"/>
+              <a:t>To apply Kotlin to your specific data science and data engineering problems, be sure to plug into the Kotlin community whenever you need assistance.</a:t>
+            </a:r>
+          </a:p>
+          <a:p>
+            <a:pPr marL="383540" lvl="1">
+              <a:buClr>
+                <a:srgbClr val="E48312"/>
+              </a:buClr>
+            </a:pPr>
+            <a:r>
+              <a:rPr lang="en-US" dirty="0"/>
+              <a:t>Kotlin Slack - </a:t>
+            </a:r>
+            <a:r>
+              <a:rPr lang="en-US" dirty="0">
+                <a:hlinkClick r:id="rId5"/>
+              </a:rPr>
+              <a:t>http://slack.kotlinlang.org/</a:t>
+            </a:r>
+          </a:p>
+          <a:p>
+            <a:pPr marL="383540" lvl="1">
+              <a:buClr>
+                <a:srgbClr val="E48312"/>
+              </a:buClr>
+            </a:pPr>
+            <a:r>
+              <a:rPr lang="en-US" dirty="0"/>
+              <a:t>StackOverflow Kotlin - </a:t>
+            </a:r>
+            <a:r>
+              <a:rPr lang="en-US" dirty="0">
+                <a:hlinkClick r:id="rId6"/>
+              </a:rPr>
+              <a:t>https://stackoverflow.com/questions/tagged/kotlin</a:t>
+            </a:r>
+            <a:r>
+              <a:rPr lang="en-US" dirty="0"/>
+              <a:t> </a:t>
+            </a:r>
+          </a:p>
+          <a:p>
+            <a:pPr marL="383540" lvl="1">
+              <a:buClr>
+                <a:srgbClr val="E48312"/>
+              </a:buClr>
+            </a:pPr>
+            <a:endParaRPr lang="en-US" dirty="0"/>
+          </a:p>
+          <a:p>
+            <a:pPr marL="383540" lvl="1">
+              <a:buClr>
+                <a:srgbClr val="E48312"/>
+              </a:buClr>
+            </a:pPr>
+            <a:endParaRPr lang="en-US" dirty="0"/>
+          </a:p>
+          <a:p>
+            <a:pPr marL="383540" lvl="1">
+              <a:buClr>
+                <a:srgbClr val="E48312"/>
+              </a:buClr>
+            </a:pPr>
+            <a:endParaRPr lang="en-US" dirty="0"/>
+          </a:p>
+          <a:p>
+            <a:endParaRPr lang="en-US" dirty="0"/>
+          </a:p>
+        </p:txBody>
+      </p:sp>
+    </p:spTree>
+    <p:extLst>
+      <p:ext uri="{BB962C8B-B14F-4D97-AF65-F5344CB8AC3E}">
+        <p14:creationId xmlns:p14="http://schemas.microsoft.com/office/powerpoint/2010/main" val="2381797691"/>
+      </p:ext>
+    </p:extLst>
+  </p:cSld>
+  <p:clrMapOvr>
+    <a:masterClrMapping/>
+  </p:clrMapOvr>
+</p:sld>
+</file>
+
+<file path=ppt/slides/slide7.xml><?xml version="1.0" encoding="utf-8"?>
+<p:sld xmlns:a="http://schemas.openxmlformats.org/drawingml/2006/main" xmlns:r="http://schemas.openxmlformats.org/officeDocument/2006/relationships" xmlns:p="http://schemas.openxmlformats.org/presentationml/2006/main">
+  <p:cSld>
+    <p:spTree>
+      <p:nvGrpSpPr>
+        <p:cNvPr id="1" name=""/>
+        <p:cNvGrpSpPr/>
+        <p:nvPr/>
+      </p:nvGrpSpPr>
+      <p:grpSpPr>
+        <a:xfrm>
+          <a:off x="0" y="0"/>
+          <a:ext cx="0" cy="0"/>
+          <a:chOff x="0" y="0"/>
+          <a:chExt cx="0" cy="0"/>
+        </a:xfrm>
+      </p:grpSpPr>
+      <p:sp>
+        <p:nvSpPr>
+          <p:cNvPr id="2" name="Title 1"/>
+          <p:cNvSpPr>
+            <a:spLocks noGrp="1"/>
+          </p:cNvSpPr>
+          <p:nvPr>
+            <p:ph type="title"/>
+          </p:nvPr>
+        </p:nvSpPr>
+        <p:spPr>
+          <a:xfrm>
+            <a:off x="1097280" y="-331414"/>
+            <a:ext cx="10058400" cy="1450757"/>
+          </a:xfrm>
+        </p:spPr>
+        <p:txBody>
+          <a:bodyPr/>
+          <a:lstStyle/>
+          <a:p>
+            <a:r>
+              <a:rPr lang="en-US" dirty="0"/>
               <a:t>Notable Libraries</a:t>
             </a:r>
           </a:p>
@@ -4863,14 +6104,14 @@
             <p:ph idx="1"/>
             <p:extLst>
               <p:ext uri="{D42A27DB-BD31-4B8C-83A1-F6EECF244321}">
-                <p14:modId xmlns:p14="http://schemas.microsoft.com/office/powerpoint/2010/main" val="1644546715"/>
+                <p14:modId xmlns:p14="http://schemas.microsoft.com/office/powerpoint/2010/main" val="4110569671"/>
               </p:ext>
             </p:extLst>
           </p:nvPr>
         </p:nvGraphicFramePr>
         <p:xfrm>
-          <a:off x="1096963" y="1846263"/>
-          <a:ext cx="10058397" cy="4450070"/>
+          <a:off x="1097280" y="1065914"/>
+          <a:ext cx="10058397" cy="5090150"/>
         </p:xfrm>
         <a:graphic>
           <a:graphicData uri="http://schemas.openxmlformats.org/drawingml/2006/table">
@@ -5564,6 +6805,61 @@
                 <a:extLst>
                   <a:ext uri="{0D108BD9-81ED-4DB2-BD59-A6C34878D82A}">
                     <a16:rowId xmlns:a16="http://schemas.microsoft.com/office/drawing/2014/main" val="1279188318"/>
+                  </a:ext>
+                </a:extLst>
+              </a:tr>
+              <a:tr h="370837">
+                <a:tc>
+                  <a:txBody>
+                    <a:bodyPr/>
+                    <a:lstStyle/>
+                    <a:p>
+                      <a:pPr lvl="0">
+                        <a:buNone/>
+                      </a:pPr>
+                      <a:r>
+                        <a:rPr lang="en-US" dirty="0"/>
+                        <a:t>RxKotlin/RxJava</a:t>
+                      </a:r>
+                    </a:p>
+                  </a:txBody>
+                  <a:tcPr/>
+                </a:tc>
+                <a:tc>
+                  <a:txBody>
+                    <a:bodyPr/>
+                    <a:lstStyle/>
+                    <a:p>
+                      <a:pPr lvl="0">
+                        <a:buNone/>
+                      </a:pPr>
+                      <a:r>
+                        <a:rPr lang="en-US" dirty="0"/>
+                        <a:t>Kotlin/Java</a:t>
+                      </a:r>
+                    </a:p>
+                  </a:txBody>
+                  <a:tcPr/>
+                </a:tc>
+                <a:tc>
+                  <a:txBody>
+                    <a:bodyPr/>
+                    <a:lstStyle/>
+                    <a:p>
+                      <a:pPr lvl="0">
+                        <a:buNone/>
+                      </a:pPr>
+                      <a:r>
+                        <a:rPr lang="en-US" dirty="0"/>
+                        <a:t>A powerful, reactive event and data processing framework</a:t>
+                      </a:r>
+                    </a:p>
+                  </a:txBody>
+                  <a:tcPr/>
+                </a:tc>
+                <a:extLst>
+                  <a:ext uri="{0D108BD9-81ED-4DB2-BD59-A6C34878D82A}">
+                    <a16:rowId xmlns:a16="http://schemas.microsoft.com/office/drawing/2014/main" val="2854693610"/>
                   </a:ext>
                 </a:extLst>
               </a:tr>

--- a/2. Practical Data Modeling for Production with Kotlin/oreilly_practical_data_modeling_for_production_with_kotlin.pptx
+++ b/2. Practical Data Modeling for Production with Kotlin/oreilly_practical_data_modeling_for_production_with_kotlin.pptx
@@ -5,7 +5,7 @@
     <p:sldMasterId id="2147483648" r:id="rId1"/>
   </p:sldMasterIdLst>
   <p:notesMasterIdLst>
-    <p:notesMasterId r:id="rId9"/>
+    <p:notesMasterId r:id="rId10"/>
   </p:notesMasterIdLst>
   <p:sldIdLst>
     <p:sldId id="256" r:id="rId2"/>
@@ -15,6 +15,7 @@
     <p:sldId id="282" r:id="rId6"/>
     <p:sldId id="280" r:id="rId7"/>
     <p:sldId id="281" r:id="rId8"/>
+    <p:sldId id="283" r:id="rId9"/>
   </p:sldIdLst>
   <p:sldSz cx="12192000" cy="6858000"/>
   <p:notesSz cx="6858000" cy="9144000"/>
@@ -121,6 +122,10 @@
 </p:presentation>
 </file>
 
+<file path=ppt/revisionInfo.xml><?xml version="1.0" encoding="utf-8"?>
+<p1510:revInfo xmlns:a="http://schemas.openxmlformats.org/drawingml/2006/main" xmlns:r="http://schemas.openxmlformats.org/officeDocument/2006/relationships" xmlns:p1510="http://schemas.microsoft.com/office/powerpoint/2015/10/main"/>
+</file>
+
 <file path=ppt/notesMasters/notesMaster1.xml><?xml version="1.0" encoding="utf-8"?>
 <p:notesMaster xmlns:a="http://schemas.openxmlformats.org/drawingml/2006/main" xmlns:r="http://schemas.openxmlformats.org/officeDocument/2006/relationships" xmlns:p="http://schemas.openxmlformats.org/presentationml/2006/main">
   <p:cSld>
@@ -203,7 +208,7 @@
           <a:p>
             <a:fld id="{D68E09DD-A271-4E46-9B09-7316EE422583}" type="datetimeFigureOut">
               <a:rPr lang="en-US"/>
-              <a:t>9/3/2017</a:t>
+              <a:t>9/4/2017</a:t>
             </a:fld>
             <a:endParaRPr lang="en-US"/>
           </a:p>
@@ -780,7 +785,7 @@
           <a:p>
             <a:fld id="{4BDF68E2-58F2-4D09-BE8B-E3BD06533059}" type="datetimeFigureOut">
               <a:rPr lang="en-US" dirty="0"/>
-              <a:t>9/3/2017</a:t>
+              <a:t>9/4/2017</a:t>
             </a:fld>
             <a:endParaRPr lang="en-US" dirty="0"/>
           </a:p>
@@ -983,7 +988,7 @@
           <a:p>
             <a:fld id="{2E2D6473-DF6D-4702-B328-E0DD40540A4E}" type="datetimeFigureOut">
               <a:rPr lang="en-US" dirty="0"/>
-              <a:t>9/3/2017</a:t>
+              <a:t>9/4/2017</a:t>
             </a:fld>
             <a:endParaRPr lang="en-US" dirty="0"/>
           </a:p>
@@ -1234,7 +1239,7 @@
           <a:p>
             <a:fld id="{E26F7E3A-B166-407D-9866-32884E7D5B37}" type="datetimeFigureOut">
               <a:rPr lang="en-US" dirty="0"/>
-              <a:t>9/3/2017</a:t>
+              <a:t>9/4/2017</a:t>
             </a:fld>
             <a:endParaRPr lang="en-US" dirty="0"/>
           </a:p>
@@ -1403,7 +1408,7 @@
           <a:p>
             <a:fld id="{528FC5F6-F338-4AE4-BB23-26385BCFC423}" type="datetimeFigureOut">
               <a:rPr lang="en-US" dirty="0"/>
-              <a:t>9/3/2017</a:t>
+              <a:t>9/4/2017</a:t>
             </a:fld>
             <a:endParaRPr lang="en-US" dirty="0"/>
           </a:p>
@@ -1741,7 +1746,7 @@
           <a:p>
             <a:fld id="{20EBB0C4-6273-4C6E-B9BD-2EDC30F1CD52}" type="datetimeFigureOut">
               <a:rPr lang="en-US" dirty="0"/>
-              <a:t>9/3/2017</a:t>
+              <a:t>9/4/2017</a:t>
             </a:fld>
             <a:endParaRPr lang="en-US" dirty="0"/>
           </a:p>
@@ -2011,7 +2016,7 @@
           <a:p>
             <a:fld id="{19AB4D41-86C1-4908-B66A-0B50CEB3BF29}" type="datetimeFigureOut">
               <a:rPr lang="en-US" dirty="0"/>
-              <a:t>9/3/2017</a:t>
+              <a:t>9/4/2017</a:t>
             </a:fld>
             <a:endParaRPr lang="en-US" dirty="0"/>
           </a:p>
@@ -2385,7 +2390,7 @@
           <a:p>
             <a:fld id="{E6426E2C-56C1-4E0D-A793-0088A7FDD37E}" type="datetimeFigureOut">
               <a:rPr lang="en-US" dirty="0"/>
-              <a:t>9/3/2017</a:t>
+              <a:t>9/4/2017</a:t>
             </a:fld>
             <a:endParaRPr lang="en-US" dirty="0"/>
           </a:p>
@@ -2498,7 +2503,7 @@
           <a:p>
             <a:fld id="{C8C39B41-D8B5-4052-B551-9B5525EAA8B6}" type="datetimeFigureOut">
               <a:rPr lang="en-US" dirty="0"/>
-              <a:t>9/3/2017</a:t>
+              <a:t>9/4/2017</a:t>
             </a:fld>
             <a:endParaRPr lang="en-US" dirty="0"/>
           </a:p>
@@ -2664,7 +2669,7 @@
           <a:p>
             <a:fld id="{4D94136C-8742-45B2-AF27-D93DF72833A9}" type="datetimeFigureOut">
               <a:rPr lang="en-US" dirty="0"/>
-              <a:t>9/3/2017</a:t>
+              <a:t>9/4/2017</a:t>
             </a:fld>
             <a:endParaRPr lang="en-US" dirty="0"/>
           </a:p>
@@ -3014,7 +3019,7 @@
           <a:p>
             <a:fld id="{32ABBEA6-7C60-4B02-AE87-00D78D8422AF}" type="datetimeFigureOut">
               <a:rPr lang="en-US" dirty="0"/>
-              <a:t>9/3/2017</a:t>
+              <a:t>9/4/2017</a:t>
             </a:fld>
             <a:endParaRPr lang="en-US" dirty="0"/>
           </a:p>
@@ -3389,7 +3394,7 @@
           <a:p>
             <a:fld id="{C9CAD897-D46E-4AD2-BD9B-49DD3E640873}" type="datetimeFigureOut">
               <a:rPr lang="en-US" dirty="0"/>
-              <a:t>9/3/2017</a:t>
+              <a:t>9/4/2017</a:t>
             </a:fld>
             <a:endParaRPr lang="en-US" dirty="0"/>
           </a:p>
@@ -3671,7 +3676,7 @@
           <a:p>
             <a:fld id="{98624D31-43A5-475A-80CF-332C9F6DCF35}" type="datetimeFigureOut">
               <a:rPr lang="en-US" dirty="0"/>
-              <a:t>9/3/2017</a:t>
+              <a:t>9/4/2017</a:t>
             </a:fld>
             <a:endParaRPr lang="en-US" dirty="0"/>
           </a:p>
@@ -4378,6 +4383,33 @@
             </a:pPr>
             <a:endParaRPr lang="en-US" i="1" dirty="0"/>
           </a:p>
+          <a:p>
+            <a:pPr marL="0" indent="0">
+              <a:buNone/>
+            </a:pPr>
+            <a:r>
+              <a:rPr lang="en-US" b="1" i="1" dirty="0"/>
+              <a:t>From Data Science to Production with Kotlin </a:t>
+            </a:r>
+            <a:r>
+              <a:rPr lang="en-US" i="1" dirty="0"/>
+              <a:t>will cover the fundamentals of the Kotlin language, while </a:t>
+            </a:r>
+            <a:r>
+              <a:rPr lang="en-US" b="1" i="1" dirty="0"/>
+              <a:t>Practical Data Modeling for Production with Kotlin</a:t>
+            </a:r>
+            <a:r>
+              <a:rPr lang="en-US" i="1" dirty="0"/>
+              <a:t> will expand on advanced features and practical applications. </a:t>
+            </a:r>
+          </a:p>
+          <a:p>
+            <a:pPr marL="0" indent="0">
+              <a:buNone/>
+            </a:pPr>
+            <a:endParaRPr lang="en-US" i="1" dirty="0"/>
+          </a:p>
         </p:txBody>
       </p:sp>
     </p:spTree>
@@ -6871,6 +6903,220 @@
     <p:extLst>
       <p:ext uri="{BB962C8B-B14F-4D97-AF65-F5344CB8AC3E}">
         <p14:creationId xmlns:p14="http://schemas.microsoft.com/office/powerpoint/2010/main" val="4051013242"/>
+      </p:ext>
+    </p:extLst>
+  </p:cSld>
+  <p:clrMapOvr>
+    <a:masterClrMapping/>
+  </p:clrMapOvr>
+</p:sld>
+</file>
+
+<file path=ppt/slides/slide8.xml><?xml version="1.0" encoding="utf-8"?>
+<p:sld xmlns:a="http://schemas.openxmlformats.org/drawingml/2006/main" xmlns:r="http://schemas.openxmlformats.org/officeDocument/2006/relationships" xmlns:p="http://schemas.openxmlformats.org/presentationml/2006/main">
+  <p:cSld>
+    <p:spTree>
+      <p:nvGrpSpPr>
+        <p:cNvPr id="1" name=""/>
+        <p:cNvGrpSpPr/>
+        <p:nvPr/>
+      </p:nvGrpSpPr>
+      <p:grpSpPr>
+        <a:xfrm>
+          <a:off x="0" y="0"/>
+          <a:ext cx="0" cy="0"/>
+          <a:chOff x="0" y="0"/>
+          <a:chExt cx="0" cy="0"/>
+        </a:xfrm>
+      </p:grpSpPr>
+      <p:sp>
+        <p:nvSpPr>
+          <p:cNvPr id="2" name="Title 1">
+            <a:extLst>
+              <a:ext uri="{FF2B5EF4-FFF2-40B4-BE49-F238E27FC236}">
+                <a16:creationId xmlns:a16="http://schemas.microsoft.com/office/drawing/2014/main" id="{87168E4A-F0D5-4D35-9046-6D106E2A5263}"/>
+              </a:ext>
+            </a:extLst>
+          </p:cNvPr>
+          <p:cNvSpPr>
+            <a:spLocks noGrp="1"/>
+          </p:cNvSpPr>
+          <p:nvPr>
+            <p:ph type="title"/>
+          </p:nvPr>
+        </p:nvSpPr>
+        <p:spPr/>
+        <p:txBody>
+          <a:bodyPr/>
+          <a:lstStyle/>
+          <a:p>
+            <a:r>
+              <a:rPr lang="en-US" dirty="0"/>
+              <a:t>Resources</a:t>
+            </a:r>
+          </a:p>
+        </p:txBody>
+      </p:sp>
+      <p:sp>
+        <p:nvSpPr>
+          <p:cNvPr id="3" name="Content Placeholder 2">
+            <a:extLst>
+              <a:ext uri="{FF2B5EF4-FFF2-40B4-BE49-F238E27FC236}">
+                <a16:creationId xmlns:a16="http://schemas.microsoft.com/office/drawing/2014/main" id="{0216C73E-3461-434B-9F5E-0EDE2E194843}"/>
+              </a:ext>
+            </a:extLst>
+          </p:cNvPr>
+          <p:cNvSpPr>
+            <a:spLocks noGrp="1"/>
+          </p:cNvSpPr>
+          <p:nvPr>
+            <p:ph idx="1"/>
+          </p:nvPr>
+        </p:nvSpPr>
+        <p:spPr/>
+        <p:txBody>
+          <a:bodyPr/>
+          <a:lstStyle/>
+          <a:p>
+            <a:r>
+              <a:rPr lang="en-US" dirty="0"/>
+              <a:t>Kotlin Official site (</a:t>
+            </a:r>
+            <a:r>
+              <a:rPr lang="en-US" dirty="0">
+                <a:hlinkClick r:id="rId2"/>
+              </a:rPr>
+              <a:t>http://kotlinlang.org/</a:t>
+            </a:r>
+            <a:r>
+              <a:rPr lang="en-US" dirty="0"/>
+              <a:t>)</a:t>
+            </a:r>
+          </a:p>
+          <a:p>
+            <a:r>
+              <a:rPr lang="en-US" dirty="0"/>
+              <a:t>Kotlin Reference (</a:t>
+            </a:r>
+            <a:r>
+              <a:rPr lang="en-US" dirty="0">
+                <a:hlinkClick r:id="rId3"/>
+              </a:rPr>
+              <a:t>http://kotlinlang.org/docs/reference/</a:t>
+            </a:r>
+            <a:r>
+              <a:rPr lang="en-US" dirty="0"/>
+              <a:t>)</a:t>
+            </a:r>
+          </a:p>
+          <a:p>
+            <a:r>
+              <a:rPr lang="en-US" dirty="0"/>
+              <a:t>Kotlin Slack Community (</a:t>
+            </a:r>
+            <a:r>
+              <a:rPr lang="en-US" dirty="0">
+                <a:solidFill>
+                  <a:srgbClr val="000000"/>
+                </a:solidFill>
+                <a:hlinkClick r:id="rId4"/>
+              </a:rPr>
+              <a:t>http://slack.kotlinlang.org/</a:t>
+            </a:r>
+            <a:r>
+              <a:rPr lang="en-US" dirty="0">
+                <a:solidFill>
+                  <a:srgbClr val="000000"/>
+                </a:solidFill>
+              </a:rPr>
+              <a:t>)</a:t>
+            </a:r>
+          </a:p>
+          <a:p>
+            <a:r>
+              <a:rPr lang="en-US" dirty="0">
+                <a:solidFill>
+                  <a:srgbClr val="000000"/>
+                </a:solidFill>
+              </a:rPr>
+              <a:t>O’Reilly Introduction to Kotlin Programming (</a:t>
+            </a:r>
+            <a:r>
+              <a:rPr lang="en-US" dirty="0">
+                <a:solidFill>
+                  <a:srgbClr val="000000"/>
+                </a:solidFill>
+                <a:hlinkClick r:id="rId5" action="ppaction://hlinkfile"/>
+              </a:rPr>
+              <a:t>https://</a:t>
+            </a:r>
+            <a:r>
+              <a:rPr lang="en-US" dirty="0">
+                <a:hlinkClick r:id="rId5" action="ppaction://hlinkfile"/>
+              </a:rPr>
+              <a:t>goo.gl/zaxztZ</a:t>
+            </a:r>
+            <a:r>
+              <a:rPr lang="en-US" dirty="0"/>
+              <a:t>)</a:t>
+            </a:r>
+          </a:p>
+          <a:p>
+            <a:r>
+              <a:rPr lang="en-US" dirty="0">
+                <a:solidFill>
+                  <a:srgbClr val="000000"/>
+                </a:solidFill>
+              </a:rPr>
+              <a:t>O’Reilly Advanced Kotlin (</a:t>
+            </a:r>
+            <a:r>
+              <a:rPr lang="en-US" dirty="0">
+                <a:hlinkClick r:id="rId6"/>
+              </a:rPr>
+              <a:t>https://goo.gl/azU9Fp</a:t>
+            </a:r>
+            <a:r>
+              <a:rPr lang="en-US" dirty="0"/>
+              <a:t>)</a:t>
+            </a:r>
+          </a:p>
+          <a:p>
+            <a:r>
+              <a:rPr lang="en-US" dirty="0"/>
+              <a:t>Manning Kotlin in Action (</a:t>
+            </a:r>
+            <a:r>
+              <a:rPr lang="en-US" dirty="0">
+                <a:hlinkClick r:id="rId7"/>
+              </a:rPr>
+              <a:t>https://goo.gl/1LQHos</a:t>
+            </a:r>
+            <a:r>
+              <a:rPr lang="en-US" dirty="0"/>
+              <a:t>)</a:t>
+            </a:r>
+          </a:p>
+          <a:p>
+            <a:endParaRPr lang="en-US" dirty="0"/>
+          </a:p>
+          <a:p>
+            <a:endParaRPr lang="en-US" dirty="0">
+              <a:solidFill>
+                <a:srgbClr val="000000"/>
+              </a:solidFill>
+              <a:hlinkClick r:id="rId4"/>
+            </a:endParaRPr>
+          </a:p>
+          <a:p>
+            <a:endParaRPr lang="en-US" dirty="0"/>
+          </a:p>
+        </p:txBody>
+      </p:sp>
+    </p:spTree>
+    <p:extLst>
+      <p:ext uri="{BB962C8B-B14F-4D97-AF65-F5344CB8AC3E}">
+        <p14:creationId xmlns:p14="http://schemas.microsoft.com/office/powerpoint/2010/main" val="3297582287"/>
       </p:ext>
     </p:extLst>
   </p:cSld>

--- a/2. Practical Data Modeling for Production with Kotlin/oreilly_practical_data_modeling_for_production_with_kotlin.pptx
+++ b/2. Practical Data Modeling for Production with Kotlin/oreilly_practical_data_modeling_for_production_with_kotlin.pptx
@@ -5,7 +5,7 @@
     <p:sldMasterId id="2147483648" r:id="rId1"/>
   </p:sldMasterIdLst>
   <p:notesMasterIdLst>
-    <p:notesMasterId r:id="rId10"/>
+    <p:notesMasterId r:id="rId11"/>
   </p:notesMasterIdLst>
   <p:sldIdLst>
     <p:sldId id="256" r:id="rId2"/>
@@ -15,7 +15,8 @@
     <p:sldId id="282" r:id="rId6"/>
     <p:sldId id="280" r:id="rId7"/>
     <p:sldId id="281" r:id="rId8"/>
-    <p:sldId id="283" r:id="rId9"/>
+    <p:sldId id="284" r:id="rId9"/>
+    <p:sldId id="283" r:id="rId10"/>
   </p:sldIdLst>
   <p:sldSz cx="12192000" cy="6858000"/>
   <p:notesSz cx="6858000" cy="9144000"/>
@@ -208,7 +209,7 @@
           <a:p>
             <a:fld id="{D68E09DD-A271-4E46-9B09-7316EE422583}" type="datetimeFigureOut">
               <a:rPr lang="en-US"/>
-              <a:t>9/4/2017</a:t>
+              <a:t>9/10/2017</a:t>
             </a:fld>
             <a:endParaRPr lang="en-US"/>
           </a:p>
@@ -785,7 +786,7 @@
           <a:p>
             <a:fld id="{4BDF68E2-58F2-4D09-BE8B-E3BD06533059}" type="datetimeFigureOut">
               <a:rPr lang="en-US" dirty="0"/>
-              <a:t>9/4/2017</a:t>
+              <a:t>9/10/2017</a:t>
             </a:fld>
             <a:endParaRPr lang="en-US" dirty="0"/>
           </a:p>
@@ -988,7 +989,7 @@
           <a:p>
             <a:fld id="{2E2D6473-DF6D-4702-B328-E0DD40540A4E}" type="datetimeFigureOut">
               <a:rPr lang="en-US" dirty="0"/>
-              <a:t>9/4/2017</a:t>
+              <a:t>9/10/2017</a:t>
             </a:fld>
             <a:endParaRPr lang="en-US" dirty="0"/>
           </a:p>
@@ -1239,7 +1240,7 @@
           <a:p>
             <a:fld id="{E26F7E3A-B166-407D-9866-32884E7D5B37}" type="datetimeFigureOut">
               <a:rPr lang="en-US" dirty="0"/>
-              <a:t>9/4/2017</a:t>
+              <a:t>9/10/2017</a:t>
             </a:fld>
             <a:endParaRPr lang="en-US" dirty="0"/>
           </a:p>
@@ -1408,7 +1409,7 @@
           <a:p>
             <a:fld id="{528FC5F6-F338-4AE4-BB23-26385BCFC423}" type="datetimeFigureOut">
               <a:rPr lang="en-US" dirty="0"/>
-              <a:t>9/4/2017</a:t>
+              <a:t>9/10/2017</a:t>
             </a:fld>
             <a:endParaRPr lang="en-US" dirty="0"/>
           </a:p>
@@ -1746,7 +1747,7 @@
           <a:p>
             <a:fld id="{20EBB0C4-6273-4C6E-B9BD-2EDC30F1CD52}" type="datetimeFigureOut">
               <a:rPr lang="en-US" dirty="0"/>
-              <a:t>9/4/2017</a:t>
+              <a:t>9/10/2017</a:t>
             </a:fld>
             <a:endParaRPr lang="en-US" dirty="0"/>
           </a:p>
@@ -2016,7 +2017,7 @@
           <a:p>
             <a:fld id="{19AB4D41-86C1-4908-B66A-0B50CEB3BF29}" type="datetimeFigureOut">
               <a:rPr lang="en-US" dirty="0"/>
-              <a:t>9/4/2017</a:t>
+              <a:t>9/10/2017</a:t>
             </a:fld>
             <a:endParaRPr lang="en-US" dirty="0"/>
           </a:p>
@@ -2390,7 +2391,7 @@
           <a:p>
             <a:fld id="{E6426E2C-56C1-4E0D-A793-0088A7FDD37E}" type="datetimeFigureOut">
               <a:rPr lang="en-US" dirty="0"/>
-              <a:t>9/4/2017</a:t>
+              <a:t>9/10/2017</a:t>
             </a:fld>
             <a:endParaRPr lang="en-US" dirty="0"/>
           </a:p>
@@ -2503,7 +2504,7 @@
           <a:p>
             <a:fld id="{C8C39B41-D8B5-4052-B551-9B5525EAA8B6}" type="datetimeFigureOut">
               <a:rPr lang="en-US" dirty="0"/>
-              <a:t>9/4/2017</a:t>
+              <a:t>9/10/2017</a:t>
             </a:fld>
             <a:endParaRPr lang="en-US" dirty="0"/>
           </a:p>
@@ -2669,7 +2670,7 @@
           <a:p>
             <a:fld id="{4D94136C-8742-45B2-AF27-D93DF72833A9}" type="datetimeFigureOut">
               <a:rPr lang="en-US" dirty="0"/>
-              <a:t>9/4/2017</a:t>
+              <a:t>9/10/2017</a:t>
             </a:fld>
             <a:endParaRPr lang="en-US" dirty="0"/>
           </a:p>
@@ -3019,7 +3020,7 @@
           <a:p>
             <a:fld id="{32ABBEA6-7C60-4B02-AE87-00D78D8422AF}" type="datetimeFigureOut">
               <a:rPr lang="en-US" dirty="0"/>
-              <a:t>9/4/2017</a:t>
+              <a:t>9/10/2017</a:t>
             </a:fld>
             <a:endParaRPr lang="en-US" dirty="0"/>
           </a:p>
@@ -3394,7 +3395,7 @@
           <a:p>
             <a:fld id="{C9CAD897-D46E-4AD2-BD9B-49DD3E640873}" type="datetimeFigureOut">
               <a:rPr lang="en-US" dirty="0"/>
-              <a:t>9/4/2017</a:t>
+              <a:t>9/10/2017</a:t>
             </a:fld>
             <a:endParaRPr lang="en-US" dirty="0"/>
           </a:p>
@@ -3676,7 +3677,7 @@
           <a:p>
             <a:fld id="{98624D31-43A5-475A-80CF-332C9F6DCF35}" type="datetimeFigureOut">
               <a:rPr lang="en-US" dirty="0"/>
-              <a:t>9/4/2017</a:t>
+              <a:t>9/10/2017</a:t>
             </a:fld>
             <a:endParaRPr lang="en-US" dirty="0"/>
           </a:p>
@@ -6913,6 +6914,180 @@
 </file>
 
 <file path=ppt/slides/slide8.xml><?xml version="1.0" encoding="utf-8"?>
+<p:sld xmlns:a="http://schemas.openxmlformats.org/drawingml/2006/main" xmlns:r="http://schemas.openxmlformats.org/officeDocument/2006/relationships" xmlns:p="http://schemas.openxmlformats.org/presentationml/2006/main">
+  <p:cSld>
+    <p:spTree>
+      <p:nvGrpSpPr>
+        <p:cNvPr id="1" name=""/>
+        <p:cNvGrpSpPr/>
+        <p:nvPr/>
+      </p:nvGrpSpPr>
+      <p:grpSpPr>
+        <a:xfrm>
+          <a:off x="0" y="0"/>
+          <a:ext cx="0" cy="0"/>
+          <a:chOff x="0" y="0"/>
+          <a:chExt cx="0" cy="0"/>
+        </a:xfrm>
+      </p:grpSpPr>
+      <p:sp>
+        <p:nvSpPr>
+          <p:cNvPr id="2" name="Title 1">
+            <a:extLst>
+              <a:ext uri="{FF2B5EF4-FFF2-40B4-BE49-F238E27FC236}">
+                <a16:creationId xmlns:a16="http://schemas.microsoft.com/office/drawing/2014/main" id="{CC7150BB-3034-463D-8139-364C1CF0233C}"/>
+              </a:ext>
+            </a:extLst>
+          </p:cNvPr>
+          <p:cNvSpPr>
+            <a:spLocks noGrp="1"/>
+          </p:cNvSpPr>
+          <p:nvPr>
+            <p:ph type="title"/>
+          </p:nvPr>
+        </p:nvSpPr>
+        <p:spPr/>
+        <p:txBody>
+          <a:bodyPr/>
+          <a:lstStyle/>
+          <a:p>
+            <a:r>
+              <a:rPr lang="en-US" dirty="0"/>
+              <a:t>Exploring Libraries</a:t>
+            </a:r>
+          </a:p>
+        </p:txBody>
+      </p:sp>
+      <p:pic>
+        <p:nvPicPr>
+          <p:cNvPr id="4" name="Content Placeholder 3">
+            <a:extLst>
+              <a:ext uri="{FF2B5EF4-FFF2-40B4-BE49-F238E27FC236}">
+                <a16:creationId xmlns:a16="http://schemas.microsoft.com/office/drawing/2014/main" id="{E1F7482F-FFD4-4FE8-91D3-0BF1BDEE832F}"/>
+              </a:ext>
+            </a:extLst>
+          </p:cNvPr>
+          <p:cNvPicPr>
+            <a:picLocks noGrp="1" noChangeAspect="1"/>
+          </p:cNvPicPr>
+          <p:nvPr>
+            <p:ph idx="1"/>
+          </p:nvPr>
+        </p:nvPicPr>
+        <p:blipFill>
+          <a:blip r:embed="rId2"/>
+          <a:stretch>
+            <a:fillRect/>
+          </a:stretch>
+        </p:blipFill>
+        <p:spPr>
+          <a:xfrm>
+            <a:off x="4906183" y="1938541"/>
+            <a:ext cx="6586734" cy="4239800"/>
+          </a:xfrm>
+          <a:prstGeom prst="rect">
+            <a:avLst/>
+          </a:prstGeom>
+        </p:spPr>
+      </p:pic>
+      <p:sp>
+        <p:nvSpPr>
+          <p:cNvPr id="5" name="TextBox 4">
+            <a:extLst>
+              <a:ext uri="{FF2B5EF4-FFF2-40B4-BE49-F238E27FC236}">
+                <a16:creationId xmlns:a16="http://schemas.microsoft.com/office/drawing/2014/main" id="{9763BA10-2E4B-4BFE-BE54-E751931E9297}"/>
+              </a:ext>
+            </a:extLst>
+          </p:cNvPr>
+          <p:cNvSpPr txBox="1"/>
+          <p:nvPr/>
+        </p:nvSpPr>
+        <p:spPr>
+          <a:xfrm>
+            <a:off x="1097280" y="1907526"/>
+            <a:ext cx="3650889" cy="2862322"/>
+          </a:xfrm>
+          <a:prstGeom prst="rect">
+            <a:avLst/>
+          </a:prstGeom>
+          <a:noFill/>
+        </p:spPr>
+        <p:txBody>
+          <a:bodyPr wrap="square" rtlCol="0">
+            <a:spAutoFit/>
+          </a:bodyPr>
+          <a:lstStyle/>
+          <a:p>
+            <a:pPr marL="285750" indent="-285750">
+              <a:buFont typeface="Arial" panose="020B0604020202020204" pitchFamily="34" charset="0"/>
+              <a:buChar char="•"/>
+            </a:pPr>
+            <a:r>
+              <a:rPr lang="en-US" dirty="0"/>
+              <a:t>JVM libraries can be searched and downloaded on </a:t>
+            </a:r>
+            <a:r>
+              <a:rPr lang="en-US" dirty="0">
+                <a:hlinkClick r:id="rId3"/>
+              </a:rPr>
+              <a:t>https://search.maven.org</a:t>
+            </a:r>
+            <a:endParaRPr lang="en-US" dirty="0"/>
+          </a:p>
+          <a:p>
+            <a:pPr marL="285750" indent="-285750">
+              <a:buFont typeface="Arial" panose="020B0604020202020204" pitchFamily="34" charset="0"/>
+              <a:buChar char="•"/>
+            </a:pPr>
+            <a:endParaRPr lang="en-US" dirty="0"/>
+          </a:p>
+          <a:p>
+            <a:pPr marL="285750" indent="-285750">
+              <a:buFont typeface="Arial" panose="020B0604020202020204" pitchFamily="34" charset="0"/>
+              <a:buChar char="•"/>
+            </a:pPr>
+            <a:r>
+              <a:rPr lang="en-US" dirty="0"/>
+              <a:t>GitHub is an effective hub for exploring documentation and resources for libraries: </a:t>
+            </a:r>
+            <a:r>
+              <a:rPr lang="en-US" dirty="0">
+                <a:hlinkClick r:id="rId4"/>
+              </a:rPr>
+              <a:t>https://github.com/</a:t>
+            </a:r>
+            <a:endParaRPr lang="en-US" dirty="0"/>
+          </a:p>
+          <a:p>
+            <a:pPr marL="285750" indent="-285750">
+              <a:buFont typeface="Arial" panose="020B0604020202020204" pitchFamily="34" charset="0"/>
+              <a:buChar char="•"/>
+            </a:pPr>
+            <a:endParaRPr lang="en-US" dirty="0"/>
+          </a:p>
+          <a:p>
+            <a:pPr marL="285750" indent="-285750">
+              <a:buFont typeface="Arial" panose="020B0604020202020204" pitchFamily="34" charset="0"/>
+              <a:buChar char="•"/>
+            </a:pPr>
+            <a:endParaRPr lang="en-US" dirty="0"/>
+          </a:p>
+        </p:txBody>
+      </p:sp>
+    </p:spTree>
+    <p:extLst>
+      <p:ext uri="{BB962C8B-B14F-4D97-AF65-F5344CB8AC3E}">
+        <p14:creationId xmlns:p14="http://schemas.microsoft.com/office/powerpoint/2010/main" val="2770252546"/>
+      </p:ext>
+    </p:extLst>
+  </p:cSld>
+  <p:clrMapOvr>
+    <a:masterClrMapping/>
+  </p:clrMapOvr>
+</p:sld>
+</file>
+
+<file path=ppt/slides/slide9.xml><?xml version="1.0" encoding="utf-8"?>
 <p:sld xmlns:a="http://schemas.openxmlformats.org/drawingml/2006/main" xmlns:r="http://schemas.openxmlformats.org/officeDocument/2006/relationships" xmlns:p="http://schemas.openxmlformats.org/presentationml/2006/main">
   <p:cSld>
     <p:spTree>
